--- a/ppt 16-9/1274.勇敢的小牧童.pptx
+++ b/ppt 16-9/1274.勇敢的小牧童.pptx
@@ -129,7 +129,7 @@
           <p:cNvPr id="2" name="标题 1">
             <a:extLst>
               <a:ext uri="{FF2B5EF4-FFF2-40B4-BE49-F238E27FC236}">
-                <a16:creationId xmlns:a16="http://schemas.microsoft.com/office/drawing/2014/main" id="{7589914A-CB76-CA31-7E99-A5FC2C6FBE18}"/>
+                <a16:creationId xmlns:a16="http://schemas.microsoft.com/office/drawing/2014/main" id="{A2567659-1A54-E07E-E523-A66F8ED3B367}"/>
               </a:ext>
             </a:extLst>
           </p:cNvPr>
@@ -166,7 +166,7 @@
           <p:cNvPr id="3" name="副标题 2">
             <a:extLst>
               <a:ext uri="{FF2B5EF4-FFF2-40B4-BE49-F238E27FC236}">
-                <a16:creationId xmlns:a16="http://schemas.microsoft.com/office/drawing/2014/main" id="{0846F6E8-1849-1C1B-53A1-11DE671FD5AD}"/>
+                <a16:creationId xmlns:a16="http://schemas.microsoft.com/office/drawing/2014/main" id="{7906A08A-2D27-CA6B-C406-E3B99C754E9F}"/>
               </a:ext>
             </a:extLst>
           </p:cNvPr>
@@ -236,7 +236,7 @@
           <p:cNvPr id="4" name="日期占位符 3">
             <a:extLst>
               <a:ext uri="{FF2B5EF4-FFF2-40B4-BE49-F238E27FC236}">
-                <a16:creationId xmlns:a16="http://schemas.microsoft.com/office/drawing/2014/main" id="{2C4458EC-5811-8291-86EF-FF9D6CA1E851}"/>
+                <a16:creationId xmlns:a16="http://schemas.microsoft.com/office/drawing/2014/main" id="{D58EB573-2BB9-8596-C538-5542AE521101}"/>
               </a:ext>
             </a:extLst>
           </p:cNvPr>
@@ -252,7 +252,7 @@
           <a:bodyPr/>
           <a:lstStyle/>
           <a:p>
-            <a:fld id="{FF84731D-A1C5-4D0A-B1AA-4C92A3809C33}" type="datetimeFigureOut">
+            <a:fld id="{77197A58-2B4D-490C-913C-023D42EAA88E}" type="datetimeFigureOut">
               <a:rPr lang="zh-CN" altLang="en-US" smtClean="0"/>
               <a:t>2024/3/10</a:t>
             </a:fld>
@@ -265,7 +265,7 @@
           <p:cNvPr id="5" name="页脚占位符 4">
             <a:extLst>
               <a:ext uri="{FF2B5EF4-FFF2-40B4-BE49-F238E27FC236}">
-                <a16:creationId xmlns:a16="http://schemas.microsoft.com/office/drawing/2014/main" id="{470CA301-750B-8E5B-6D2F-F75CDC107575}"/>
+                <a16:creationId xmlns:a16="http://schemas.microsoft.com/office/drawing/2014/main" id="{E2A72AF2-C948-AC59-08E9-7EBF96B388B3}"/>
               </a:ext>
             </a:extLst>
           </p:cNvPr>
@@ -290,7 +290,7 @@
           <p:cNvPr id="6" name="灯片编号占位符 5">
             <a:extLst>
               <a:ext uri="{FF2B5EF4-FFF2-40B4-BE49-F238E27FC236}">
-                <a16:creationId xmlns:a16="http://schemas.microsoft.com/office/drawing/2014/main" id="{3E0086E9-222F-E8F5-85C4-68BC1F494063}"/>
+                <a16:creationId xmlns:a16="http://schemas.microsoft.com/office/drawing/2014/main" id="{827B710E-57C1-749D-39F5-D589990180BE}"/>
               </a:ext>
             </a:extLst>
           </p:cNvPr>
@@ -306,7 +306,7 @@
           <a:bodyPr/>
           <a:lstStyle/>
           <a:p>
-            <a:fld id="{32758351-B0A3-4712-96DC-CAB4C4806750}" type="slidenum">
+            <a:fld id="{E7F3CACC-ED0B-40EF-8F87-9B17879D63E1}" type="slidenum">
               <a:rPr lang="zh-CN" altLang="en-US" smtClean="0"/>
               <a:t>‹#›</a:t>
             </a:fld>
@@ -317,7 +317,7 @@
     </p:spTree>
     <p:extLst>
       <p:ext uri="{BB962C8B-B14F-4D97-AF65-F5344CB8AC3E}">
-        <p14:creationId xmlns:p14="http://schemas.microsoft.com/office/powerpoint/2010/main" val="1307624078"/>
+        <p14:creationId xmlns:p14="http://schemas.microsoft.com/office/powerpoint/2010/main" val="3374804630"/>
       </p:ext>
     </p:extLst>
   </p:cSld>
@@ -349,7 +349,7 @@
           <p:cNvPr id="2" name="标题 1">
             <a:extLst>
               <a:ext uri="{FF2B5EF4-FFF2-40B4-BE49-F238E27FC236}">
-                <a16:creationId xmlns:a16="http://schemas.microsoft.com/office/drawing/2014/main" id="{807F44CE-F287-5C04-1364-26F73A46D8FA}"/>
+                <a16:creationId xmlns:a16="http://schemas.microsoft.com/office/drawing/2014/main" id="{005CAECD-8E2A-CAE4-A7BD-2B7D55FCCEDA}"/>
               </a:ext>
             </a:extLst>
           </p:cNvPr>
@@ -377,7 +377,7 @@
           <p:cNvPr id="3" name="竖排文字占位符 2">
             <a:extLst>
               <a:ext uri="{FF2B5EF4-FFF2-40B4-BE49-F238E27FC236}">
-                <a16:creationId xmlns:a16="http://schemas.microsoft.com/office/drawing/2014/main" id="{D8BFB594-AB74-7E1D-DCAE-88EE68AE4CB0}"/>
+                <a16:creationId xmlns:a16="http://schemas.microsoft.com/office/drawing/2014/main" id="{41075E65-0188-53FC-FDCF-AF0ECFBF4FB5}"/>
               </a:ext>
             </a:extLst>
           </p:cNvPr>
@@ -434,7 +434,7 @@
           <p:cNvPr id="4" name="日期占位符 3">
             <a:extLst>
               <a:ext uri="{FF2B5EF4-FFF2-40B4-BE49-F238E27FC236}">
-                <a16:creationId xmlns:a16="http://schemas.microsoft.com/office/drawing/2014/main" id="{B360B25C-5A51-350E-3D22-1DE59DB24641}"/>
+                <a16:creationId xmlns:a16="http://schemas.microsoft.com/office/drawing/2014/main" id="{D63B40C4-9F22-36F5-32DC-950A43D6021D}"/>
               </a:ext>
             </a:extLst>
           </p:cNvPr>
@@ -450,7 +450,7 @@
           <a:bodyPr/>
           <a:lstStyle/>
           <a:p>
-            <a:fld id="{FF84731D-A1C5-4D0A-B1AA-4C92A3809C33}" type="datetimeFigureOut">
+            <a:fld id="{77197A58-2B4D-490C-913C-023D42EAA88E}" type="datetimeFigureOut">
               <a:rPr lang="zh-CN" altLang="en-US" smtClean="0"/>
               <a:t>2024/3/10</a:t>
             </a:fld>
@@ -463,7 +463,7 @@
           <p:cNvPr id="5" name="页脚占位符 4">
             <a:extLst>
               <a:ext uri="{FF2B5EF4-FFF2-40B4-BE49-F238E27FC236}">
-                <a16:creationId xmlns:a16="http://schemas.microsoft.com/office/drawing/2014/main" id="{657F09B5-2581-E515-0EAC-0FB6FE8C481C}"/>
+                <a16:creationId xmlns:a16="http://schemas.microsoft.com/office/drawing/2014/main" id="{2D6A2998-2F47-5BAA-B4AD-AB563B22A530}"/>
               </a:ext>
             </a:extLst>
           </p:cNvPr>
@@ -488,7 +488,7 @@
           <p:cNvPr id="6" name="灯片编号占位符 5">
             <a:extLst>
               <a:ext uri="{FF2B5EF4-FFF2-40B4-BE49-F238E27FC236}">
-                <a16:creationId xmlns:a16="http://schemas.microsoft.com/office/drawing/2014/main" id="{FD23C750-FDC5-F1E1-26CB-63BA1A352F4A}"/>
+                <a16:creationId xmlns:a16="http://schemas.microsoft.com/office/drawing/2014/main" id="{DA567384-7607-64F5-6FB9-E0C722B59601}"/>
               </a:ext>
             </a:extLst>
           </p:cNvPr>
@@ -504,7 +504,7 @@
           <a:bodyPr/>
           <a:lstStyle/>
           <a:p>
-            <a:fld id="{32758351-B0A3-4712-96DC-CAB4C4806750}" type="slidenum">
+            <a:fld id="{E7F3CACC-ED0B-40EF-8F87-9B17879D63E1}" type="slidenum">
               <a:rPr lang="zh-CN" altLang="en-US" smtClean="0"/>
               <a:t>‹#›</a:t>
             </a:fld>
@@ -515,7 +515,7 @@
     </p:spTree>
     <p:extLst>
       <p:ext uri="{BB962C8B-B14F-4D97-AF65-F5344CB8AC3E}">
-        <p14:creationId xmlns:p14="http://schemas.microsoft.com/office/powerpoint/2010/main" val="757070316"/>
+        <p14:creationId xmlns:p14="http://schemas.microsoft.com/office/powerpoint/2010/main" val="985600883"/>
       </p:ext>
     </p:extLst>
   </p:cSld>
@@ -547,7 +547,7 @@
           <p:cNvPr id="2" name="竖排标题 1">
             <a:extLst>
               <a:ext uri="{FF2B5EF4-FFF2-40B4-BE49-F238E27FC236}">
-                <a16:creationId xmlns:a16="http://schemas.microsoft.com/office/drawing/2014/main" id="{0BF7F399-5162-ED74-3E5B-A2981A371B98}"/>
+                <a16:creationId xmlns:a16="http://schemas.microsoft.com/office/drawing/2014/main" id="{3E5D9982-EEC6-FB7B-A4CF-4769116DF752}"/>
               </a:ext>
             </a:extLst>
           </p:cNvPr>
@@ -580,7 +580,7 @@
           <p:cNvPr id="3" name="竖排文字占位符 2">
             <a:extLst>
               <a:ext uri="{FF2B5EF4-FFF2-40B4-BE49-F238E27FC236}">
-                <a16:creationId xmlns:a16="http://schemas.microsoft.com/office/drawing/2014/main" id="{653240BB-39CC-83D6-EF7E-A4F15C14B9E3}"/>
+                <a16:creationId xmlns:a16="http://schemas.microsoft.com/office/drawing/2014/main" id="{AD8F2339-0C2B-B240-9E5F-065573B2494B}"/>
               </a:ext>
             </a:extLst>
           </p:cNvPr>
@@ -642,7 +642,7 @@
           <p:cNvPr id="4" name="日期占位符 3">
             <a:extLst>
               <a:ext uri="{FF2B5EF4-FFF2-40B4-BE49-F238E27FC236}">
-                <a16:creationId xmlns:a16="http://schemas.microsoft.com/office/drawing/2014/main" id="{EE379D91-5CAD-94F6-697E-82765A51A084}"/>
+                <a16:creationId xmlns:a16="http://schemas.microsoft.com/office/drawing/2014/main" id="{3638A6EE-D9AC-2EC5-729E-A1A0D3B00881}"/>
               </a:ext>
             </a:extLst>
           </p:cNvPr>
@@ -658,7 +658,7 @@
           <a:bodyPr/>
           <a:lstStyle/>
           <a:p>
-            <a:fld id="{FF84731D-A1C5-4D0A-B1AA-4C92A3809C33}" type="datetimeFigureOut">
+            <a:fld id="{77197A58-2B4D-490C-913C-023D42EAA88E}" type="datetimeFigureOut">
               <a:rPr lang="zh-CN" altLang="en-US" smtClean="0"/>
               <a:t>2024/3/10</a:t>
             </a:fld>
@@ -671,7 +671,7 @@
           <p:cNvPr id="5" name="页脚占位符 4">
             <a:extLst>
               <a:ext uri="{FF2B5EF4-FFF2-40B4-BE49-F238E27FC236}">
-                <a16:creationId xmlns:a16="http://schemas.microsoft.com/office/drawing/2014/main" id="{C1BE6531-BCAB-F3E3-AE89-93F208289111}"/>
+                <a16:creationId xmlns:a16="http://schemas.microsoft.com/office/drawing/2014/main" id="{ED79BE36-F8C6-FC95-3AB3-7992D69AF0F5}"/>
               </a:ext>
             </a:extLst>
           </p:cNvPr>
@@ -696,7 +696,7 @@
           <p:cNvPr id="6" name="灯片编号占位符 5">
             <a:extLst>
               <a:ext uri="{FF2B5EF4-FFF2-40B4-BE49-F238E27FC236}">
-                <a16:creationId xmlns:a16="http://schemas.microsoft.com/office/drawing/2014/main" id="{6498B957-A3AC-10E5-44FD-FF151E780F1F}"/>
+                <a16:creationId xmlns:a16="http://schemas.microsoft.com/office/drawing/2014/main" id="{C82A656D-2BE7-D8D6-23D8-DE8E2C38EEB3}"/>
               </a:ext>
             </a:extLst>
           </p:cNvPr>
@@ -712,7 +712,7 @@
           <a:bodyPr/>
           <a:lstStyle/>
           <a:p>
-            <a:fld id="{32758351-B0A3-4712-96DC-CAB4C4806750}" type="slidenum">
+            <a:fld id="{E7F3CACC-ED0B-40EF-8F87-9B17879D63E1}" type="slidenum">
               <a:rPr lang="zh-CN" altLang="en-US" smtClean="0"/>
               <a:t>‹#›</a:t>
             </a:fld>
@@ -723,7 +723,7 @@
     </p:spTree>
     <p:extLst>
       <p:ext uri="{BB962C8B-B14F-4D97-AF65-F5344CB8AC3E}">
-        <p14:creationId xmlns:p14="http://schemas.microsoft.com/office/powerpoint/2010/main" val="261972139"/>
+        <p14:creationId xmlns:p14="http://schemas.microsoft.com/office/powerpoint/2010/main" val="1664582912"/>
       </p:ext>
     </p:extLst>
   </p:cSld>
@@ -755,7 +755,7 @@
           <p:cNvPr id="2" name="标题 1">
             <a:extLst>
               <a:ext uri="{FF2B5EF4-FFF2-40B4-BE49-F238E27FC236}">
-                <a16:creationId xmlns:a16="http://schemas.microsoft.com/office/drawing/2014/main" id="{8B23BAB2-EB73-6EC3-E4CA-5FAF0716486D}"/>
+                <a16:creationId xmlns:a16="http://schemas.microsoft.com/office/drawing/2014/main" id="{426EAA0A-49D2-1400-69AD-AA20DE176307}"/>
               </a:ext>
             </a:extLst>
           </p:cNvPr>
@@ -783,7 +783,7 @@
           <p:cNvPr id="3" name="内容占位符 2">
             <a:extLst>
               <a:ext uri="{FF2B5EF4-FFF2-40B4-BE49-F238E27FC236}">
-                <a16:creationId xmlns:a16="http://schemas.microsoft.com/office/drawing/2014/main" id="{10115F8B-0A22-DB8E-F171-97F40BE68F09}"/>
+                <a16:creationId xmlns:a16="http://schemas.microsoft.com/office/drawing/2014/main" id="{B10C91E3-F0FE-B0DE-36DA-34B8BD78A3F7}"/>
               </a:ext>
             </a:extLst>
           </p:cNvPr>
@@ -840,7 +840,7 @@
           <p:cNvPr id="4" name="日期占位符 3">
             <a:extLst>
               <a:ext uri="{FF2B5EF4-FFF2-40B4-BE49-F238E27FC236}">
-                <a16:creationId xmlns:a16="http://schemas.microsoft.com/office/drawing/2014/main" id="{70F97FF8-2894-BC8A-094E-7482192EC361}"/>
+                <a16:creationId xmlns:a16="http://schemas.microsoft.com/office/drawing/2014/main" id="{643A4F5B-2B74-B2EC-C900-084E41D8EDB8}"/>
               </a:ext>
             </a:extLst>
           </p:cNvPr>
@@ -856,7 +856,7 @@
           <a:bodyPr/>
           <a:lstStyle/>
           <a:p>
-            <a:fld id="{FF84731D-A1C5-4D0A-B1AA-4C92A3809C33}" type="datetimeFigureOut">
+            <a:fld id="{77197A58-2B4D-490C-913C-023D42EAA88E}" type="datetimeFigureOut">
               <a:rPr lang="zh-CN" altLang="en-US" smtClean="0"/>
               <a:t>2024/3/10</a:t>
             </a:fld>
@@ -869,7 +869,7 @@
           <p:cNvPr id="5" name="页脚占位符 4">
             <a:extLst>
               <a:ext uri="{FF2B5EF4-FFF2-40B4-BE49-F238E27FC236}">
-                <a16:creationId xmlns:a16="http://schemas.microsoft.com/office/drawing/2014/main" id="{97ECF2E3-0B41-B27C-D71A-A3F37DAAFD97}"/>
+                <a16:creationId xmlns:a16="http://schemas.microsoft.com/office/drawing/2014/main" id="{C76CC2F9-1E9A-FC76-2B2D-B30E60AD5746}"/>
               </a:ext>
             </a:extLst>
           </p:cNvPr>
@@ -894,7 +894,7 @@
           <p:cNvPr id="6" name="灯片编号占位符 5">
             <a:extLst>
               <a:ext uri="{FF2B5EF4-FFF2-40B4-BE49-F238E27FC236}">
-                <a16:creationId xmlns:a16="http://schemas.microsoft.com/office/drawing/2014/main" id="{4461A1F3-02DD-4F91-7B9E-9F2B1AE61332}"/>
+                <a16:creationId xmlns:a16="http://schemas.microsoft.com/office/drawing/2014/main" id="{C27964BE-CB24-3155-C8EF-240394AE5A7C}"/>
               </a:ext>
             </a:extLst>
           </p:cNvPr>
@@ -910,7 +910,7 @@
           <a:bodyPr/>
           <a:lstStyle/>
           <a:p>
-            <a:fld id="{32758351-B0A3-4712-96DC-CAB4C4806750}" type="slidenum">
+            <a:fld id="{E7F3CACC-ED0B-40EF-8F87-9B17879D63E1}" type="slidenum">
               <a:rPr lang="zh-CN" altLang="en-US" smtClean="0"/>
               <a:t>‹#›</a:t>
             </a:fld>
@@ -921,7 +921,7 @@
     </p:spTree>
     <p:extLst>
       <p:ext uri="{BB962C8B-B14F-4D97-AF65-F5344CB8AC3E}">
-        <p14:creationId xmlns:p14="http://schemas.microsoft.com/office/powerpoint/2010/main" val="3349059919"/>
+        <p14:creationId xmlns:p14="http://schemas.microsoft.com/office/powerpoint/2010/main" val="3534457571"/>
       </p:ext>
     </p:extLst>
   </p:cSld>
@@ -953,7 +953,7 @@
           <p:cNvPr id="2" name="标题 1">
             <a:extLst>
               <a:ext uri="{FF2B5EF4-FFF2-40B4-BE49-F238E27FC236}">
-                <a16:creationId xmlns:a16="http://schemas.microsoft.com/office/drawing/2014/main" id="{AC182EB7-4E89-91E3-921E-CB89B0279CE9}"/>
+                <a16:creationId xmlns:a16="http://schemas.microsoft.com/office/drawing/2014/main" id="{74073DBB-B50B-3645-1237-E331AF53FFD3}"/>
               </a:ext>
             </a:extLst>
           </p:cNvPr>
@@ -990,7 +990,7 @@
           <p:cNvPr id="3" name="文本占位符 2">
             <a:extLst>
               <a:ext uri="{FF2B5EF4-FFF2-40B4-BE49-F238E27FC236}">
-                <a16:creationId xmlns:a16="http://schemas.microsoft.com/office/drawing/2014/main" id="{5AE7775D-BEA2-E29F-7BFE-BF20B6D02EC8}"/>
+                <a16:creationId xmlns:a16="http://schemas.microsoft.com/office/drawing/2014/main" id="{6B73865A-9826-4BA7-463D-3D61EF340DFA}"/>
               </a:ext>
             </a:extLst>
           </p:cNvPr>
@@ -1115,7 +1115,7 @@
           <p:cNvPr id="4" name="日期占位符 3">
             <a:extLst>
               <a:ext uri="{FF2B5EF4-FFF2-40B4-BE49-F238E27FC236}">
-                <a16:creationId xmlns:a16="http://schemas.microsoft.com/office/drawing/2014/main" id="{1CD43E99-721A-74BD-C8C8-BCA5CF78E9E6}"/>
+                <a16:creationId xmlns:a16="http://schemas.microsoft.com/office/drawing/2014/main" id="{0443F645-DEFD-E023-7506-52D9837BEEB8}"/>
               </a:ext>
             </a:extLst>
           </p:cNvPr>
@@ -1131,7 +1131,7 @@
           <a:bodyPr/>
           <a:lstStyle/>
           <a:p>
-            <a:fld id="{FF84731D-A1C5-4D0A-B1AA-4C92A3809C33}" type="datetimeFigureOut">
+            <a:fld id="{77197A58-2B4D-490C-913C-023D42EAA88E}" type="datetimeFigureOut">
               <a:rPr lang="zh-CN" altLang="en-US" smtClean="0"/>
               <a:t>2024/3/10</a:t>
             </a:fld>
@@ -1144,7 +1144,7 @@
           <p:cNvPr id="5" name="页脚占位符 4">
             <a:extLst>
               <a:ext uri="{FF2B5EF4-FFF2-40B4-BE49-F238E27FC236}">
-                <a16:creationId xmlns:a16="http://schemas.microsoft.com/office/drawing/2014/main" id="{DB65C5DF-1B5F-59F0-EC00-984415BC3D8F}"/>
+                <a16:creationId xmlns:a16="http://schemas.microsoft.com/office/drawing/2014/main" id="{DF0D11F8-4AE9-E428-AB7D-719AFBE8EFF7}"/>
               </a:ext>
             </a:extLst>
           </p:cNvPr>
@@ -1169,7 +1169,7 @@
           <p:cNvPr id="6" name="灯片编号占位符 5">
             <a:extLst>
               <a:ext uri="{FF2B5EF4-FFF2-40B4-BE49-F238E27FC236}">
-                <a16:creationId xmlns:a16="http://schemas.microsoft.com/office/drawing/2014/main" id="{5C5CAA69-686C-EBE0-51C5-D4CAE3D791A5}"/>
+                <a16:creationId xmlns:a16="http://schemas.microsoft.com/office/drawing/2014/main" id="{6C778A01-EB60-C0EF-CA54-132F3B825F67}"/>
               </a:ext>
             </a:extLst>
           </p:cNvPr>
@@ -1185,7 +1185,7 @@
           <a:bodyPr/>
           <a:lstStyle/>
           <a:p>
-            <a:fld id="{32758351-B0A3-4712-96DC-CAB4C4806750}" type="slidenum">
+            <a:fld id="{E7F3CACC-ED0B-40EF-8F87-9B17879D63E1}" type="slidenum">
               <a:rPr lang="zh-CN" altLang="en-US" smtClean="0"/>
               <a:t>‹#›</a:t>
             </a:fld>
@@ -1196,7 +1196,7 @@
     </p:spTree>
     <p:extLst>
       <p:ext uri="{BB962C8B-B14F-4D97-AF65-F5344CB8AC3E}">
-        <p14:creationId xmlns:p14="http://schemas.microsoft.com/office/powerpoint/2010/main" val="1856494337"/>
+        <p14:creationId xmlns:p14="http://schemas.microsoft.com/office/powerpoint/2010/main" val="1129572916"/>
       </p:ext>
     </p:extLst>
   </p:cSld>
@@ -1228,7 +1228,7 @@
           <p:cNvPr id="2" name="标题 1">
             <a:extLst>
               <a:ext uri="{FF2B5EF4-FFF2-40B4-BE49-F238E27FC236}">
-                <a16:creationId xmlns:a16="http://schemas.microsoft.com/office/drawing/2014/main" id="{87D199A3-0B98-4AAE-78BA-0EBD25A28A92}"/>
+                <a16:creationId xmlns:a16="http://schemas.microsoft.com/office/drawing/2014/main" id="{27720212-8373-6256-D6F7-24B854EED344}"/>
               </a:ext>
             </a:extLst>
           </p:cNvPr>
@@ -1256,7 +1256,7 @@
           <p:cNvPr id="3" name="内容占位符 2">
             <a:extLst>
               <a:ext uri="{FF2B5EF4-FFF2-40B4-BE49-F238E27FC236}">
-                <a16:creationId xmlns:a16="http://schemas.microsoft.com/office/drawing/2014/main" id="{F7FC6B97-0099-A216-F5BF-B71ACA44495A}"/>
+                <a16:creationId xmlns:a16="http://schemas.microsoft.com/office/drawing/2014/main" id="{57C8D062-5171-13BA-5195-B9C541D57575}"/>
               </a:ext>
             </a:extLst>
           </p:cNvPr>
@@ -1318,7 +1318,7 @@
           <p:cNvPr id="4" name="内容占位符 3">
             <a:extLst>
               <a:ext uri="{FF2B5EF4-FFF2-40B4-BE49-F238E27FC236}">
-                <a16:creationId xmlns:a16="http://schemas.microsoft.com/office/drawing/2014/main" id="{438ED9F8-CDFC-BA4F-F953-1FCF430BA091}"/>
+                <a16:creationId xmlns:a16="http://schemas.microsoft.com/office/drawing/2014/main" id="{8240D423-780C-76DE-A68F-2E013F55BEBB}"/>
               </a:ext>
             </a:extLst>
           </p:cNvPr>
@@ -1380,7 +1380,7 @@
           <p:cNvPr id="5" name="日期占位符 4">
             <a:extLst>
               <a:ext uri="{FF2B5EF4-FFF2-40B4-BE49-F238E27FC236}">
-                <a16:creationId xmlns:a16="http://schemas.microsoft.com/office/drawing/2014/main" id="{906A339B-5556-A2A1-0C4A-38F4B4D78729}"/>
+                <a16:creationId xmlns:a16="http://schemas.microsoft.com/office/drawing/2014/main" id="{1756D462-547F-A9C9-76B9-952F223719EC}"/>
               </a:ext>
             </a:extLst>
           </p:cNvPr>
@@ -1396,7 +1396,7 @@
           <a:bodyPr/>
           <a:lstStyle/>
           <a:p>
-            <a:fld id="{FF84731D-A1C5-4D0A-B1AA-4C92A3809C33}" type="datetimeFigureOut">
+            <a:fld id="{77197A58-2B4D-490C-913C-023D42EAA88E}" type="datetimeFigureOut">
               <a:rPr lang="zh-CN" altLang="en-US" smtClean="0"/>
               <a:t>2024/3/10</a:t>
             </a:fld>
@@ -1409,7 +1409,7 @@
           <p:cNvPr id="6" name="页脚占位符 5">
             <a:extLst>
               <a:ext uri="{FF2B5EF4-FFF2-40B4-BE49-F238E27FC236}">
-                <a16:creationId xmlns:a16="http://schemas.microsoft.com/office/drawing/2014/main" id="{3D3212D4-E462-A603-CCAC-F405A901CBA5}"/>
+                <a16:creationId xmlns:a16="http://schemas.microsoft.com/office/drawing/2014/main" id="{413C9DBA-477D-0D56-7201-C57BF2BE7293}"/>
               </a:ext>
             </a:extLst>
           </p:cNvPr>
@@ -1434,7 +1434,7 @@
           <p:cNvPr id="7" name="灯片编号占位符 6">
             <a:extLst>
               <a:ext uri="{FF2B5EF4-FFF2-40B4-BE49-F238E27FC236}">
-                <a16:creationId xmlns:a16="http://schemas.microsoft.com/office/drawing/2014/main" id="{22D551E5-6640-18F4-A4CC-06B6938BB466}"/>
+                <a16:creationId xmlns:a16="http://schemas.microsoft.com/office/drawing/2014/main" id="{83AD70E0-EFC6-6D3B-2770-694C03317FA6}"/>
               </a:ext>
             </a:extLst>
           </p:cNvPr>
@@ -1450,7 +1450,7 @@
           <a:bodyPr/>
           <a:lstStyle/>
           <a:p>
-            <a:fld id="{32758351-B0A3-4712-96DC-CAB4C4806750}" type="slidenum">
+            <a:fld id="{E7F3CACC-ED0B-40EF-8F87-9B17879D63E1}" type="slidenum">
               <a:rPr lang="zh-CN" altLang="en-US" smtClean="0"/>
               <a:t>‹#›</a:t>
             </a:fld>
@@ -1461,7 +1461,7 @@
     </p:spTree>
     <p:extLst>
       <p:ext uri="{BB962C8B-B14F-4D97-AF65-F5344CB8AC3E}">
-        <p14:creationId xmlns:p14="http://schemas.microsoft.com/office/powerpoint/2010/main" val="3127321350"/>
+        <p14:creationId xmlns:p14="http://schemas.microsoft.com/office/powerpoint/2010/main" val="373665424"/>
       </p:ext>
     </p:extLst>
   </p:cSld>
@@ -1493,7 +1493,7 @@
           <p:cNvPr id="2" name="标题 1">
             <a:extLst>
               <a:ext uri="{FF2B5EF4-FFF2-40B4-BE49-F238E27FC236}">
-                <a16:creationId xmlns:a16="http://schemas.microsoft.com/office/drawing/2014/main" id="{2B60E11C-B798-47E3-BF76-A72F175A2E53}"/>
+                <a16:creationId xmlns:a16="http://schemas.microsoft.com/office/drawing/2014/main" id="{C35187B2-385A-0135-6678-51D7827FF4C9}"/>
               </a:ext>
             </a:extLst>
           </p:cNvPr>
@@ -1526,7 +1526,7 @@
           <p:cNvPr id="3" name="文本占位符 2">
             <a:extLst>
               <a:ext uri="{FF2B5EF4-FFF2-40B4-BE49-F238E27FC236}">
-                <a16:creationId xmlns:a16="http://schemas.microsoft.com/office/drawing/2014/main" id="{753EBBDE-1273-B39F-3C05-65CF9A34C62F}"/>
+                <a16:creationId xmlns:a16="http://schemas.microsoft.com/office/drawing/2014/main" id="{11407E48-007C-ED16-3E15-67475C495ABF}"/>
               </a:ext>
             </a:extLst>
           </p:cNvPr>
@@ -1597,7 +1597,7 @@
           <p:cNvPr id="4" name="内容占位符 3">
             <a:extLst>
               <a:ext uri="{FF2B5EF4-FFF2-40B4-BE49-F238E27FC236}">
-                <a16:creationId xmlns:a16="http://schemas.microsoft.com/office/drawing/2014/main" id="{A7661C68-9F90-6D22-6965-2475637901A2}"/>
+                <a16:creationId xmlns:a16="http://schemas.microsoft.com/office/drawing/2014/main" id="{44A1DD2F-8165-15F7-530D-144315CEA2C6}"/>
               </a:ext>
             </a:extLst>
           </p:cNvPr>
@@ -1659,7 +1659,7 @@
           <p:cNvPr id="5" name="文本占位符 4">
             <a:extLst>
               <a:ext uri="{FF2B5EF4-FFF2-40B4-BE49-F238E27FC236}">
-                <a16:creationId xmlns:a16="http://schemas.microsoft.com/office/drawing/2014/main" id="{A885F70E-FD7B-6948-6D9A-68EE840841CB}"/>
+                <a16:creationId xmlns:a16="http://schemas.microsoft.com/office/drawing/2014/main" id="{2BC32242-8E1E-D16A-429C-4F664CD21E17}"/>
               </a:ext>
             </a:extLst>
           </p:cNvPr>
@@ -1730,7 +1730,7 @@
           <p:cNvPr id="6" name="内容占位符 5">
             <a:extLst>
               <a:ext uri="{FF2B5EF4-FFF2-40B4-BE49-F238E27FC236}">
-                <a16:creationId xmlns:a16="http://schemas.microsoft.com/office/drawing/2014/main" id="{2FE75F66-5739-0F76-EF01-1885D23A6BCA}"/>
+                <a16:creationId xmlns:a16="http://schemas.microsoft.com/office/drawing/2014/main" id="{9D867339-90AA-812A-1BDA-4C8736ABD37E}"/>
               </a:ext>
             </a:extLst>
           </p:cNvPr>
@@ -1792,7 +1792,7 @@
           <p:cNvPr id="7" name="日期占位符 6">
             <a:extLst>
               <a:ext uri="{FF2B5EF4-FFF2-40B4-BE49-F238E27FC236}">
-                <a16:creationId xmlns:a16="http://schemas.microsoft.com/office/drawing/2014/main" id="{F251F644-4040-E7BB-139A-62D816E35E7F}"/>
+                <a16:creationId xmlns:a16="http://schemas.microsoft.com/office/drawing/2014/main" id="{9960C5B1-763C-DCA1-5B77-EA50E42A31C3}"/>
               </a:ext>
             </a:extLst>
           </p:cNvPr>
@@ -1808,7 +1808,7 @@
           <a:bodyPr/>
           <a:lstStyle/>
           <a:p>
-            <a:fld id="{FF84731D-A1C5-4D0A-B1AA-4C92A3809C33}" type="datetimeFigureOut">
+            <a:fld id="{77197A58-2B4D-490C-913C-023D42EAA88E}" type="datetimeFigureOut">
               <a:rPr lang="zh-CN" altLang="en-US" smtClean="0"/>
               <a:t>2024/3/10</a:t>
             </a:fld>
@@ -1821,7 +1821,7 @@
           <p:cNvPr id="8" name="页脚占位符 7">
             <a:extLst>
               <a:ext uri="{FF2B5EF4-FFF2-40B4-BE49-F238E27FC236}">
-                <a16:creationId xmlns:a16="http://schemas.microsoft.com/office/drawing/2014/main" id="{C19F985F-7C68-E2ED-E3E5-B94E757BBA06}"/>
+                <a16:creationId xmlns:a16="http://schemas.microsoft.com/office/drawing/2014/main" id="{20D51FDF-C304-A3A6-FEBF-913A0F72C39B}"/>
               </a:ext>
             </a:extLst>
           </p:cNvPr>
@@ -1846,7 +1846,7 @@
           <p:cNvPr id="9" name="灯片编号占位符 8">
             <a:extLst>
               <a:ext uri="{FF2B5EF4-FFF2-40B4-BE49-F238E27FC236}">
-                <a16:creationId xmlns:a16="http://schemas.microsoft.com/office/drawing/2014/main" id="{999711A9-8403-2A85-2311-79081C5F3718}"/>
+                <a16:creationId xmlns:a16="http://schemas.microsoft.com/office/drawing/2014/main" id="{0D653440-A6CE-5B5D-A9CF-791F56612E01}"/>
               </a:ext>
             </a:extLst>
           </p:cNvPr>
@@ -1862,7 +1862,7 @@
           <a:bodyPr/>
           <a:lstStyle/>
           <a:p>
-            <a:fld id="{32758351-B0A3-4712-96DC-CAB4C4806750}" type="slidenum">
+            <a:fld id="{E7F3CACC-ED0B-40EF-8F87-9B17879D63E1}" type="slidenum">
               <a:rPr lang="zh-CN" altLang="en-US" smtClean="0"/>
               <a:t>‹#›</a:t>
             </a:fld>
@@ -1873,7 +1873,7 @@
     </p:spTree>
     <p:extLst>
       <p:ext uri="{BB962C8B-B14F-4D97-AF65-F5344CB8AC3E}">
-        <p14:creationId xmlns:p14="http://schemas.microsoft.com/office/powerpoint/2010/main" val="1000004667"/>
+        <p14:creationId xmlns:p14="http://schemas.microsoft.com/office/powerpoint/2010/main" val="2396584870"/>
       </p:ext>
     </p:extLst>
   </p:cSld>
@@ -1905,7 +1905,7 @@
           <p:cNvPr id="2" name="标题 1">
             <a:extLst>
               <a:ext uri="{FF2B5EF4-FFF2-40B4-BE49-F238E27FC236}">
-                <a16:creationId xmlns:a16="http://schemas.microsoft.com/office/drawing/2014/main" id="{C27DFEAA-BD31-26C5-5E2B-2D507CE131AF}"/>
+                <a16:creationId xmlns:a16="http://schemas.microsoft.com/office/drawing/2014/main" id="{92AAEED3-4543-9F43-43A7-DB839295DAA3}"/>
               </a:ext>
             </a:extLst>
           </p:cNvPr>
@@ -1933,7 +1933,7 @@
           <p:cNvPr id="3" name="日期占位符 2">
             <a:extLst>
               <a:ext uri="{FF2B5EF4-FFF2-40B4-BE49-F238E27FC236}">
-                <a16:creationId xmlns:a16="http://schemas.microsoft.com/office/drawing/2014/main" id="{A61B21D4-05A6-A229-20CE-895FEEE09A42}"/>
+                <a16:creationId xmlns:a16="http://schemas.microsoft.com/office/drawing/2014/main" id="{91BD4C32-DCAC-DCC8-B838-09ABB8844D43}"/>
               </a:ext>
             </a:extLst>
           </p:cNvPr>
@@ -1949,7 +1949,7 @@
           <a:bodyPr/>
           <a:lstStyle/>
           <a:p>
-            <a:fld id="{FF84731D-A1C5-4D0A-B1AA-4C92A3809C33}" type="datetimeFigureOut">
+            <a:fld id="{77197A58-2B4D-490C-913C-023D42EAA88E}" type="datetimeFigureOut">
               <a:rPr lang="zh-CN" altLang="en-US" smtClean="0"/>
               <a:t>2024/3/10</a:t>
             </a:fld>
@@ -1962,7 +1962,7 @@
           <p:cNvPr id="4" name="页脚占位符 3">
             <a:extLst>
               <a:ext uri="{FF2B5EF4-FFF2-40B4-BE49-F238E27FC236}">
-                <a16:creationId xmlns:a16="http://schemas.microsoft.com/office/drawing/2014/main" id="{50B7F6BE-6CE4-69F8-184D-D7FBDA003788}"/>
+                <a16:creationId xmlns:a16="http://schemas.microsoft.com/office/drawing/2014/main" id="{5ABABA37-99DC-A528-58BA-6E74ADAD8643}"/>
               </a:ext>
             </a:extLst>
           </p:cNvPr>
@@ -1987,7 +1987,7 @@
           <p:cNvPr id="5" name="灯片编号占位符 4">
             <a:extLst>
               <a:ext uri="{FF2B5EF4-FFF2-40B4-BE49-F238E27FC236}">
-                <a16:creationId xmlns:a16="http://schemas.microsoft.com/office/drawing/2014/main" id="{BE04AB18-C1E0-C8BB-6365-106977BAB1AA}"/>
+                <a16:creationId xmlns:a16="http://schemas.microsoft.com/office/drawing/2014/main" id="{60CDE5CA-CA97-F5D5-B9AF-F7E61B157B40}"/>
               </a:ext>
             </a:extLst>
           </p:cNvPr>
@@ -2003,7 +2003,7 @@
           <a:bodyPr/>
           <a:lstStyle/>
           <a:p>
-            <a:fld id="{32758351-B0A3-4712-96DC-CAB4C4806750}" type="slidenum">
+            <a:fld id="{E7F3CACC-ED0B-40EF-8F87-9B17879D63E1}" type="slidenum">
               <a:rPr lang="zh-CN" altLang="en-US" smtClean="0"/>
               <a:t>‹#›</a:t>
             </a:fld>
@@ -2014,7 +2014,7 @@
     </p:spTree>
     <p:extLst>
       <p:ext uri="{BB962C8B-B14F-4D97-AF65-F5344CB8AC3E}">
-        <p14:creationId xmlns:p14="http://schemas.microsoft.com/office/powerpoint/2010/main" val="2635738205"/>
+        <p14:creationId xmlns:p14="http://schemas.microsoft.com/office/powerpoint/2010/main" val="3060770558"/>
       </p:ext>
     </p:extLst>
   </p:cSld>
@@ -2046,7 +2046,7 @@
           <p:cNvPr id="2" name="日期占位符 1">
             <a:extLst>
               <a:ext uri="{FF2B5EF4-FFF2-40B4-BE49-F238E27FC236}">
-                <a16:creationId xmlns:a16="http://schemas.microsoft.com/office/drawing/2014/main" id="{EE768398-E70E-E783-801A-8899273EB677}"/>
+                <a16:creationId xmlns:a16="http://schemas.microsoft.com/office/drawing/2014/main" id="{630317B9-78D0-3313-C91B-EE8ED6F275C0}"/>
               </a:ext>
             </a:extLst>
           </p:cNvPr>
@@ -2062,7 +2062,7 @@
           <a:bodyPr/>
           <a:lstStyle/>
           <a:p>
-            <a:fld id="{FF84731D-A1C5-4D0A-B1AA-4C92A3809C33}" type="datetimeFigureOut">
+            <a:fld id="{77197A58-2B4D-490C-913C-023D42EAA88E}" type="datetimeFigureOut">
               <a:rPr lang="zh-CN" altLang="en-US" smtClean="0"/>
               <a:t>2024/3/10</a:t>
             </a:fld>
@@ -2075,7 +2075,7 @@
           <p:cNvPr id="3" name="页脚占位符 2">
             <a:extLst>
               <a:ext uri="{FF2B5EF4-FFF2-40B4-BE49-F238E27FC236}">
-                <a16:creationId xmlns:a16="http://schemas.microsoft.com/office/drawing/2014/main" id="{6BD4C7F6-7FCA-9573-89E8-5843CDB5AD2E}"/>
+                <a16:creationId xmlns:a16="http://schemas.microsoft.com/office/drawing/2014/main" id="{FF74DD75-C49B-1418-F2C4-856EB81CD33E}"/>
               </a:ext>
             </a:extLst>
           </p:cNvPr>
@@ -2100,7 +2100,7 @@
           <p:cNvPr id="4" name="灯片编号占位符 3">
             <a:extLst>
               <a:ext uri="{FF2B5EF4-FFF2-40B4-BE49-F238E27FC236}">
-                <a16:creationId xmlns:a16="http://schemas.microsoft.com/office/drawing/2014/main" id="{E3CB1783-46C1-6C80-5E66-FFA31AF4EA0C}"/>
+                <a16:creationId xmlns:a16="http://schemas.microsoft.com/office/drawing/2014/main" id="{5B9CA025-829A-D69E-2A68-2319B8EF4B8B}"/>
               </a:ext>
             </a:extLst>
           </p:cNvPr>
@@ -2116,7 +2116,7 @@
           <a:bodyPr/>
           <a:lstStyle/>
           <a:p>
-            <a:fld id="{32758351-B0A3-4712-96DC-CAB4C4806750}" type="slidenum">
+            <a:fld id="{E7F3CACC-ED0B-40EF-8F87-9B17879D63E1}" type="slidenum">
               <a:rPr lang="zh-CN" altLang="en-US" smtClean="0"/>
               <a:t>‹#›</a:t>
             </a:fld>
@@ -2127,7 +2127,7 @@
     </p:spTree>
     <p:extLst>
       <p:ext uri="{BB962C8B-B14F-4D97-AF65-F5344CB8AC3E}">
-        <p14:creationId xmlns:p14="http://schemas.microsoft.com/office/powerpoint/2010/main" val="1029298991"/>
+        <p14:creationId xmlns:p14="http://schemas.microsoft.com/office/powerpoint/2010/main" val="2351560360"/>
       </p:ext>
     </p:extLst>
   </p:cSld>
@@ -2159,7 +2159,7 @@
           <p:cNvPr id="2" name="标题 1">
             <a:extLst>
               <a:ext uri="{FF2B5EF4-FFF2-40B4-BE49-F238E27FC236}">
-                <a16:creationId xmlns:a16="http://schemas.microsoft.com/office/drawing/2014/main" id="{BD8550D6-EA9F-B44B-C23D-562F545F577E}"/>
+                <a16:creationId xmlns:a16="http://schemas.microsoft.com/office/drawing/2014/main" id="{56D53B62-C6E7-8DBE-52FE-B794B819E8D0}"/>
               </a:ext>
             </a:extLst>
           </p:cNvPr>
@@ -2196,7 +2196,7 @@
           <p:cNvPr id="3" name="内容占位符 2">
             <a:extLst>
               <a:ext uri="{FF2B5EF4-FFF2-40B4-BE49-F238E27FC236}">
-                <a16:creationId xmlns:a16="http://schemas.microsoft.com/office/drawing/2014/main" id="{91379D7E-0D42-256A-8BEC-E0FCD5572531}"/>
+                <a16:creationId xmlns:a16="http://schemas.microsoft.com/office/drawing/2014/main" id="{C69AF2BB-0728-64B4-AC4B-10422B20AD83}"/>
               </a:ext>
             </a:extLst>
           </p:cNvPr>
@@ -2286,7 +2286,7 @@
           <p:cNvPr id="4" name="文本占位符 3">
             <a:extLst>
               <a:ext uri="{FF2B5EF4-FFF2-40B4-BE49-F238E27FC236}">
-                <a16:creationId xmlns:a16="http://schemas.microsoft.com/office/drawing/2014/main" id="{466B1AC9-F84A-955D-8982-B1FE1E77DC7D}"/>
+                <a16:creationId xmlns:a16="http://schemas.microsoft.com/office/drawing/2014/main" id="{C4B42F7D-A53F-D357-56B7-24C9FFA1A48A}"/>
               </a:ext>
             </a:extLst>
           </p:cNvPr>
@@ -2357,7 +2357,7 @@
           <p:cNvPr id="5" name="日期占位符 4">
             <a:extLst>
               <a:ext uri="{FF2B5EF4-FFF2-40B4-BE49-F238E27FC236}">
-                <a16:creationId xmlns:a16="http://schemas.microsoft.com/office/drawing/2014/main" id="{0B6DA010-9FD3-7DBB-DC8C-47EC4C01C0C6}"/>
+                <a16:creationId xmlns:a16="http://schemas.microsoft.com/office/drawing/2014/main" id="{9343C506-9BFC-136E-0EA1-FDC4E78A30FC}"/>
               </a:ext>
             </a:extLst>
           </p:cNvPr>
@@ -2373,7 +2373,7 @@
           <a:bodyPr/>
           <a:lstStyle/>
           <a:p>
-            <a:fld id="{FF84731D-A1C5-4D0A-B1AA-4C92A3809C33}" type="datetimeFigureOut">
+            <a:fld id="{77197A58-2B4D-490C-913C-023D42EAA88E}" type="datetimeFigureOut">
               <a:rPr lang="zh-CN" altLang="en-US" smtClean="0"/>
               <a:t>2024/3/10</a:t>
             </a:fld>
@@ -2386,7 +2386,7 @@
           <p:cNvPr id="6" name="页脚占位符 5">
             <a:extLst>
               <a:ext uri="{FF2B5EF4-FFF2-40B4-BE49-F238E27FC236}">
-                <a16:creationId xmlns:a16="http://schemas.microsoft.com/office/drawing/2014/main" id="{011BDBA7-2AF4-096F-B2BB-45EA0BFC198E}"/>
+                <a16:creationId xmlns:a16="http://schemas.microsoft.com/office/drawing/2014/main" id="{66743EB4-D1C7-8579-0DE8-ACC5D42AF8D5}"/>
               </a:ext>
             </a:extLst>
           </p:cNvPr>
@@ -2411,7 +2411,7 @@
           <p:cNvPr id="7" name="灯片编号占位符 6">
             <a:extLst>
               <a:ext uri="{FF2B5EF4-FFF2-40B4-BE49-F238E27FC236}">
-                <a16:creationId xmlns:a16="http://schemas.microsoft.com/office/drawing/2014/main" id="{8AFF6B82-AC8B-D51E-C341-36A75E9F76E7}"/>
+                <a16:creationId xmlns:a16="http://schemas.microsoft.com/office/drawing/2014/main" id="{EBA4EF11-4B52-88E2-8E73-CAA362FF1728}"/>
               </a:ext>
             </a:extLst>
           </p:cNvPr>
@@ -2427,7 +2427,7 @@
           <a:bodyPr/>
           <a:lstStyle/>
           <a:p>
-            <a:fld id="{32758351-B0A3-4712-96DC-CAB4C4806750}" type="slidenum">
+            <a:fld id="{E7F3CACC-ED0B-40EF-8F87-9B17879D63E1}" type="slidenum">
               <a:rPr lang="zh-CN" altLang="en-US" smtClean="0"/>
               <a:t>‹#›</a:t>
             </a:fld>
@@ -2438,7 +2438,7 @@
     </p:spTree>
     <p:extLst>
       <p:ext uri="{BB962C8B-B14F-4D97-AF65-F5344CB8AC3E}">
-        <p14:creationId xmlns:p14="http://schemas.microsoft.com/office/powerpoint/2010/main" val="2631386556"/>
+        <p14:creationId xmlns:p14="http://schemas.microsoft.com/office/powerpoint/2010/main" val="2469414390"/>
       </p:ext>
     </p:extLst>
   </p:cSld>
@@ -2470,7 +2470,7 @@
           <p:cNvPr id="2" name="标题 1">
             <a:extLst>
               <a:ext uri="{FF2B5EF4-FFF2-40B4-BE49-F238E27FC236}">
-                <a16:creationId xmlns:a16="http://schemas.microsoft.com/office/drawing/2014/main" id="{9B27E364-6222-0AE0-4A23-3BCD5A20DE02}"/>
+                <a16:creationId xmlns:a16="http://schemas.microsoft.com/office/drawing/2014/main" id="{25BD6280-1DBD-6BDA-9695-3BFAAA2453EC}"/>
               </a:ext>
             </a:extLst>
           </p:cNvPr>
@@ -2507,7 +2507,7 @@
           <p:cNvPr id="3" name="图片占位符 2">
             <a:extLst>
               <a:ext uri="{FF2B5EF4-FFF2-40B4-BE49-F238E27FC236}">
-                <a16:creationId xmlns:a16="http://schemas.microsoft.com/office/drawing/2014/main" id="{6084FAF8-F5D6-D8AB-4B77-3F71A66CBA75}"/>
+                <a16:creationId xmlns:a16="http://schemas.microsoft.com/office/drawing/2014/main" id="{DCA64A51-96AA-66B3-9C77-0B8D0B9EF0D7}"/>
               </a:ext>
             </a:extLst>
           </p:cNvPr>
@@ -2574,7 +2574,7 @@
           <p:cNvPr id="4" name="文本占位符 3">
             <a:extLst>
               <a:ext uri="{FF2B5EF4-FFF2-40B4-BE49-F238E27FC236}">
-                <a16:creationId xmlns:a16="http://schemas.microsoft.com/office/drawing/2014/main" id="{2BB43D9B-3D2D-EBDB-566F-0F8C8D09AB1F}"/>
+                <a16:creationId xmlns:a16="http://schemas.microsoft.com/office/drawing/2014/main" id="{281B3A35-84D5-F46E-ED88-06B50F3961D2}"/>
               </a:ext>
             </a:extLst>
           </p:cNvPr>
@@ -2645,7 +2645,7 @@
           <p:cNvPr id="5" name="日期占位符 4">
             <a:extLst>
               <a:ext uri="{FF2B5EF4-FFF2-40B4-BE49-F238E27FC236}">
-                <a16:creationId xmlns:a16="http://schemas.microsoft.com/office/drawing/2014/main" id="{10625E62-0E70-BCEC-2CEA-546B0858E62D}"/>
+                <a16:creationId xmlns:a16="http://schemas.microsoft.com/office/drawing/2014/main" id="{E94DF3C5-6EEC-AB4E-AD76-57C27F56C471}"/>
               </a:ext>
             </a:extLst>
           </p:cNvPr>
@@ -2661,7 +2661,7 @@
           <a:bodyPr/>
           <a:lstStyle/>
           <a:p>
-            <a:fld id="{FF84731D-A1C5-4D0A-B1AA-4C92A3809C33}" type="datetimeFigureOut">
+            <a:fld id="{77197A58-2B4D-490C-913C-023D42EAA88E}" type="datetimeFigureOut">
               <a:rPr lang="zh-CN" altLang="en-US" smtClean="0"/>
               <a:t>2024/3/10</a:t>
             </a:fld>
@@ -2674,7 +2674,7 @@
           <p:cNvPr id="6" name="页脚占位符 5">
             <a:extLst>
               <a:ext uri="{FF2B5EF4-FFF2-40B4-BE49-F238E27FC236}">
-                <a16:creationId xmlns:a16="http://schemas.microsoft.com/office/drawing/2014/main" id="{0DEB694F-9A66-A04A-776C-DB14A1F76A7D}"/>
+                <a16:creationId xmlns:a16="http://schemas.microsoft.com/office/drawing/2014/main" id="{14DC2A86-C0C3-A8FC-D3D0-0A62575DA699}"/>
               </a:ext>
             </a:extLst>
           </p:cNvPr>
@@ -2699,7 +2699,7 @@
           <p:cNvPr id="7" name="灯片编号占位符 6">
             <a:extLst>
               <a:ext uri="{FF2B5EF4-FFF2-40B4-BE49-F238E27FC236}">
-                <a16:creationId xmlns:a16="http://schemas.microsoft.com/office/drawing/2014/main" id="{97B4EEB8-40D5-3FED-6DB9-81025F8E01E6}"/>
+                <a16:creationId xmlns:a16="http://schemas.microsoft.com/office/drawing/2014/main" id="{F4EF7E6C-3203-B127-CDB2-5C0539791D60}"/>
               </a:ext>
             </a:extLst>
           </p:cNvPr>
@@ -2715,7 +2715,7 @@
           <a:bodyPr/>
           <a:lstStyle/>
           <a:p>
-            <a:fld id="{32758351-B0A3-4712-96DC-CAB4C4806750}" type="slidenum">
+            <a:fld id="{E7F3CACC-ED0B-40EF-8F87-9B17879D63E1}" type="slidenum">
               <a:rPr lang="zh-CN" altLang="en-US" smtClean="0"/>
               <a:t>‹#›</a:t>
             </a:fld>
@@ -2726,7 +2726,7 @@
     </p:spTree>
     <p:extLst>
       <p:ext uri="{BB962C8B-B14F-4D97-AF65-F5344CB8AC3E}">
-        <p14:creationId xmlns:p14="http://schemas.microsoft.com/office/powerpoint/2010/main" val="48319962"/>
+        <p14:creationId xmlns:p14="http://schemas.microsoft.com/office/powerpoint/2010/main" val="4026625827"/>
       </p:ext>
     </p:extLst>
   </p:cSld>
@@ -2763,7 +2763,7 @@
           <p:cNvPr id="2" name="标题占位符 1">
             <a:extLst>
               <a:ext uri="{FF2B5EF4-FFF2-40B4-BE49-F238E27FC236}">
-                <a16:creationId xmlns:a16="http://schemas.microsoft.com/office/drawing/2014/main" id="{BA428BC8-9527-66B6-FAF4-D6DC7A8A4FD2}"/>
+                <a16:creationId xmlns:a16="http://schemas.microsoft.com/office/drawing/2014/main" id="{2DB3E3F5-E99C-6694-5E61-D105C5960825}"/>
               </a:ext>
             </a:extLst>
           </p:cNvPr>
@@ -2801,7 +2801,7 @@
           <p:cNvPr id="3" name="文本占位符 2">
             <a:extLst>
               <a:ext uri="{FF2B5EF4-FFF2-40B4-BE49-F238E27FC236}">
-                <a16:creationId xmlns:a16="http://schemas.microsoft.com/office/drawing/2014/main" id="{C867CB0E-AE26-6EE1-8846-169F145CB0E5}"/>
+                <a16:creationId xmlns:a16="http://schemas.microsoft.com/office/drawing/2014/main" id="{F2DA0D72-08FA-9CB2-C31C-6E10E34289D9}"/>
               </a:ext>
             </a:extLst>
           </p:cNvPr>
@@ -2868,7 +2868,7 @@
           <p:cNvPr id="4" name="日期占位符 3">
             <a:extLst>
               <a:ext uri="{FF2B5EF4-FFF2-40B4-BE49-F238E27FC236}">
-                <a16:creationId xmlns:a16="http://schemas.microsoft.com/office/drawing/2014/main" id="{A80D665B-F972-F72D-C507-941CF8176265}"/>
+                <a16:creationId xmlns:a16="http://schemas.microsoft.com/office/drawing/2014/main" id="{AD356EDA-7753-0871-A120-CDF9DE061D1C}"/>
               </a:ext>
             </a:extLst>
           </p:cNvPr>
@@ -2902,7 +2902,7 @@
             </a:lvl1pPr>
           </a:lstStyle>
           <a:p>
-            <a:fld id="{FF84731D-A1C5-4D0A-B1AA-4C92A3809C33}" type="datetimeFigureOut">
+            <a:fld id="{77197A58-2B4D-490C-913C-023D42EAA88E}" type="datetimeFigureOut">
               <a:rPr lang="zh-CN" altLang="en-US" smtClean="0"/>
               <a:t>2024/3/10</a:t>
             </a:fld>
@@ -2915,7 +2915,7 @@
           <p:cNvPr id="5" name="页脚占位符 4">
             <a:extLst>
               <a:ext uri="{FF2B5EF4-FFF2-40B4-BE49-F238E27FC236}">
-                <a16:creationId xmlns:a16="http://schemas.microsoft.com/office/drawing/2014/main" id="{B09A1100-A497-B2E2-D840-B81839F6DBF8}"/>
+                <a16:creationId xmlns:a16="http://schemas.microsoft.com/office/drawing/2014/main" id="{2BD36F9A-8B7C-8265-6224-BB98E1A589E4}"/>
               </a:ext>
             </a:extLst>
           </p:cNvPr>
@@ -2958,7 +2958,7 @@
           <p:cNvPr id="6" name="灯片编号占位符 5">
             <a:extLst>
               <a:ext uri="{FF2B5EF4-FFF2-40B4-BE49-F238E27FC236}">
-                <a16:creationId xmlns:a16="http://schemas.microsoft.com/office/drawing/2014/main" id="{569C9A05-C430-3A4D-B867-993259E4D4DB}"/>
+                <a16:creationId xmlns:a16="http://schemas.microsoft.com/office/drawing/2014/main" id="{DD2798F8-A5AE-0344-1590-AAA876A7D63B}"/>
               </a:ext>
             </a:extLst>
           </p:cNvPr>
@@ -2992,7 +2992,7 @@
             </a:lvl1pPr>
           </a:lstStyle>
           <a:p>
-            <a:fld id="{32758351-B0A3-4712-96DC-CAB4C4806750}" type="slidenum">
+            <a:fld id="{E7F3CACC-ED0B-40EF-8F87-9B17879D63E1}" type="slidenum">
               <a:rPr lang="zh-CN" altLang="en-US" smtClean="0"/>
               <a:t>‹#›</a:t>
             </a:fld>
@@ -3003,7 +3003,7 @@
     </p:spTree>
     <p:extLst>
       <p:ext uri="{BB962C8B-B14F-4D97-AF65-F5344CB8AC3E}">
-        <p14:creationId xmlns:p14="http://schemas.microsoft.com/office/powerpoint/2010/main" val="2902504270"/>
+        <p14:creationId xmlns:p14="http://schemas.microsoft.com/office/powerpoint/2010/main" val="2193712455"/>
       </p:ext>
     </p:extLst>
   </p:cSld>
